--- a/Dayton Consolidated Portfolio.pptx
+++ b/Dayton Consolidated Portfolio.pptx
@@ -5,7 +5,7 @@
     <p:sldMasterId id="2147483684" r:id="rId1"/>
   </p:sldMasterIdLst>
   <p:notesMasterIdLst>
-    <p:notesMasterId r:id="rId12"/>
+    <p:notesMasterId r:id="rId11"/>
   </p:notesMasterIdLst>
   <p:sldIdLst>
     <p:sldId id="264" r:id="rId2"/>
@@ -17,7 +17,6 @@
     <p:sldId id="270" r:id="rId8"/>
     <p:sldId id="271" r:id="rId9"/>
     <p:sldId id="273" r:id="rId10"/>
-    <p:sldId id="274" r:id="rId11"/>
   </p:sldIdLst>
   <p:sldSz cx="16459200" cy="7315200"/>
   <p:notesSz cx="6858000" cy="9144000"/>
@@ -154,7 +153,6 @@
           <p14:sldIdLst>
             <p14:sldId id="271"/>
             <p14:sldId id="273"/>
-            <p14:sldId id="274"/>
           </p14:sldIdLst>
         </p14:section>
       </p14:sectionLst>
@@ -248,7 +246,7 @@
           <a:p>
             <a:fld id="{9F318E22-6085-4E99-BB5E-90667EFFCF0A}" type="datetimeFigureOut">
               <a:rPr lang="en-US" smtClean="0"/>
-              <a:t>7/28/23</a:t>
+              <a:t>7/30/23</a:t>
             </a:fld>
             <a:endParaRPr lang="en-US"/>
           </a:p>
@@ -728,7 +726,7 @@
           <a:p>
             <a:fld id="{45F84377-06A8-461A-93AA-250400FE680C}" type="datetimeFigureOut">
               <a:rPr lang="en-US" smtClean="0"/>
-              <a:t>7/28/23</a:t>
+              <a:t>7/30/23</a:t>
             </a:fld>
             <a:endParaRPr lang="en-US"/>
           </a:p>
@@ -896,7 +894,7 @@
           <a:p>
             <a:fld id="{45F84377-06A8-461A-93AA-250400FE680C}" type="datetimeFigureOut">
               <a:rPr lang="en-US" smtClean="0"/>
-              <a:t>7/28/23</a:t>
+              <a:t>7/30/23</a:t>
             </a:fld>
             <a:endParaRPr lang="en-US"/>
           </a:p>
@@ -1074,7 +1072,7 @@
           <a:p>
             <a:fld id="{45F84377-06A8-461A-93AA-250400FE680C}" type="datetimeFigureOut">
               <a:rPr lang="en-US" smtClean="0"/>
-              <a:t>7/28/23</a:t>
+              <a:t>7/30/23</a:t>
             </a:fld>
             <a:endParaRPr lang="en-US"/>
           </a:p>
@@ -1242,7 +1240,7 @@
           <a:p>
             <a:fld id="{45F84377-06A8-461A-93AA-250400FE680C}" type="datetimeFigureOut">
               <a:rPr lang="en-US" smtClean="0"/>
-              <a:t>7/28/23</a:t>
+              <a:t>7/30/23</a:t>
             </a:fld>
             <a:endParaRPr lang="en-US"/>
           </a:p>
@@ -1487,7 +1485,7 @@
           <a:p>
             <a:fld id="{45F84377-06A8-461A-93AA-250400FE680C}" type="datetimeFigureOut">
               <a:rPr lang="en-US" smtClean="0"/>
-              <a:t>7/28/23</a:t>
+              <a:t>7/30/23</a:t>
             </a:fld>
             <a:endParaRPr lang="en-US"/>
           </a:p>
@@ -1716,7 +1714,7 @@
           <a:p>
             <a:fld id="{45F84377-06A8-461A-93AA-250400FE680C}" type="datetimeFigureOut">
               <a:rPr lang="en-US" smtClean="0"/>
-              <a:t>7/28/23</a:t>
+              <a:t>7/30/23</a:t>
             </a:fld>
             <a:endParaRPr lang="en-US"/>
           </a:p>
@@ -2080,7 +2078,7 @@
           <a:p>
             <a:fld id="{45F84377-06A8-461A-93AA-250400FE680C}" type="datetimeFigureOut">
               <a:rPr lang="en-US" smtClean="0"/>
-              <a:t>7/28/23</a:t>
+              <a:t>7/30/23</a:t>
             </a:fld>
             <a:endParaRPr lang="en-US"/>
           </a:p>
@@ -2197,7 +2195,7 @@
           <a:p>
             <a:fld id="{45F84377-06A8-461A-93AA-250400FE680C}" type="datetimeFigureOut">
               <a:rPr lang="en-US" smtClean="0"/>
-              <a:t>7/28/23</a:t>
+              <a:t>7/30/23</a:t>
             </a:fld>
             <a:endParaRPr lang="en-US"/>
           </a:p>
@@ -2292,7 +2290,7 @@
           <a:p>
             <a:fld id="{45F84377-06A8-461A-93AA-250400FE680C}" type="datetimeFigureOut">
               <a:rPr lang="en-US" smtClean="0"/>
-              <a:t>7/28/23</a:t>
+              <a:t>7/30/23</a:t>
             </a:fld>
             <a:endParaRPr lang="en-US"/>
           </a:p>
@@ -2567,7 +2565,7 @@
           <a:p>
             <a:fld id="{45F84377-06A8-461A-93AA-250400FE680C}" type="datetimeFigureOut">
               <a:rPr lang="en-US" smtClean="0"/>
-              <a:t>7/28/23</a:t>
+              <a:t>7/30/23</a:t>
             </a:fld>
             <a:endParaRPr lang="en-US"/>
           </a:p>
@@ -2822,7 +2820,7 @@
           <a:p>
             <a:fld id="{45F84377-06A8-461A-93AA-250400FE680C}" type="datetimeFigureOut">
               <a:rPr lang="en-US" smtClean="0"/>
-              <a:t>7/28/23</a:t>
+              <a:t>7/30/23</a:t>
             </a:fld>
             <a:endParaRPr lang="en-US"/>
           </a:p>
@@ -3033,7 +3031,7 @@
           <a:p>
             <a:fld id="{45F84377-06A8-461A-93AA-250400FE680C}" type="datetimeFigureOut">
               <a:rPr lang="en-US" smtClean="0"/>
-              <a:t>7/28/23</a:t>
+              <a:t>7/30/23</a:t>
             </a:fld>
             <a:endParaRPr lang="en-US"/>
           </a:p>
@@ -3493,6 +3491,37 @@
             </a:r>
           </a:p>
           <a:p>
+            <a:r>
+              <a:rPr lang="en-US" dirty="0"/>
+              <a:t>The slides are not exhaustive of the entire architecture, however, gives a good idea how it logically fits together.</a:t>
+            </a:r>
+          </a:p>
+          <a:p>
+            <a:r>
+              <a:rPr lang="en-US" dirty="0"/>
+              <a:t>Git has code examples that provide some insight into my work. </a:t>
+            </a:r>
+          </a:p>
+          <a:p>
+            <a:pPr lvl="1"/>
+            <a:r>
+              <a:rPr lang="en-US" dirty="0"/>
+              <a:t>Databricks is all Scala – I like the static typing and case classes it supports. Plus is a little more scalable (hence the name)</a:t>
+            </a:r>
+          </a:p>
+          <a:p>
+            <a:pPr lvl="1"/>
+            <a:r>
+              <a:rPr lang="en-US" dirty="0"/>
+              <a:t>Snowflake code examples shows how semi-structured data </a:t>
+            </a:r>
+            <a:r>
+              <a:rPr lang="en-US"/>
+              <a:t>was handled</a:t>
+            </a:r>
+            <a:endParaRPr lang="en-US" dirty="0"/>
+          </a:p>
+          <a:p>
             <a:endParaRPr lang="en-US" dirty="0"/>
           </a:p>
         </p:txBody>
@@ -3501,89 +3530,6 @@
     <p:extLst>
       <p:ext uri="{BB962C8B-B14F-4D97-AF65-F5344CB8AC3E}">
         <p14:creationId xmlns:p14="http://schemas.microsoft.com/office/powerpoint/2010/main" val="4065431892"/>
-      </p:ext>
-    </p:extLst>
-  </p:cSld>
-  <p:clrMapOvr>
-    <a:masterClrMapping/>
-  </p:clrMapOvr>
-</p:sld>
-</file>
-
-<file path=ppt/slides/slide10.xml><?xml version="1.0" encoding="utf-8"?>
-<p:sld xmlns:a="http://schemas.openxmlformats.org/drawingml/2006/main" xmlns:r="http://schemas.openxmlformats.org/officeDocument/2006/relationships" xmlns:p="http://schemas.openxmlformats.org/presentationml/2006/main">
-  <p:cSld>
-    <p:spTree>
-      <p:nvGrpSpPr>
-        <p:cNvPr id="1" name=""/>
-        <p:cNvGrpSpPr/>
-        <p:nvPr/>
-      </p:nvGrpSpPr>
-      <p:grpSpPr>
-        <a:xfrm>
-          <a:off x="0" y="0"/>
-          <a:ext cx="0" cy="0"/>
-          <a:chOff x="0" y="0"/>
-          <a:chExt cx="0" cy="0"/>
-        </a:xfrm>
-      </p:grpSpPr>
-      <p:sp>
-        <p:nvSpPr>
-          <p:cNvPr id="2" name="Title 1">
-            <a:extLst>
-              <a:ext uri="{FF2B5EF4-FFF2-40B4-BE49-F238E27FC236}">
-                <a16:creationId xmlns:a16="http://schemas.microsoft.com/office/drawing/2014/main" id="{5E7153E1-A39C-371A-2B3F-B71832C21107}"/>
-              </a:ext>
-            </a:extLst>
-          </p:cNvPr>
-          <p:cNvSpPr>
-            <a:spLocks noGrp="1"/>
-          </p:cNvSpPr>
-          <p:nvPr>
-            <p:ph type="title"/>
-          </p:nvPr>
-        </p:nvSpPr>
-        <p:spPr/>
-        <p:txBody>
-          <a:bodyPr/>
-          <a:lstStyle/>
-          <a:p>
-            <a:r>
-              <a:rPr lang="en-US" dirty="0"/>
-              <a:t>Scala example</a:t>
-            </a:r>
-          </a:p>
-        </p:txBody>
-      </p:sp>
-      <p:sp>
-        <p:nvSpPr>
-          <p:cNvPr id="7" name="Content Placeholder 6">
-            <a:extLst>
-              <a:ext uri="{FF2B5EF4-FFF2-40B4-BE49-F238E27FC236}">
-                <a16:creationId xmlns:a16="http://schemas.microsoft.com/office/drawing/2014/main" id="{E0BEBAA2-E2EB-A227-4393-0DD444761367}"/>
-              </a:ext>
-            </a:extLst>
-          </p:cNvPr>
-          <p:cNvSpPr>
-            <a:spLocks noGrp="1"/>
-          </p:cNvSpPr>
-          <p:nvPr>
-            <p:ph idx="1"/>
-          </p:nvPr>
-        </p:nvSpPr>
-        <p:spPr/>
-        <p:txBody>
-          <a:bodyPr/>
-          <a:lstStyle/>
-          <a:p>
-            <a:endParaRPr lang="en-US" dirty="0"/>
-          </a:p>
-        </p:txBody>
-      </p:sp>
-    </p:spTree>
-    <p:extLst>
-      <p:ext uri="{BB962C8B-B14F-4D97-AF65-F5344CB8AC3E}">
-        <p14:creationId xmlns:p14="http://schemas.microsoft.com/office/powerpoint/2010/main" val="3453174429"/>
       </p:ext>
     </p:extLst>
   </p:cSld>
@@ -4381,7 +4327,7 @@
           <a:p>
             <a:r>
               <a:rPr lang="en-US" dirty="0"/>
-              <a:t>Mandilion architecture</a:t>
+              <a:t>Medallion architecture</a:t>
             </a:r>
           </a:p>
           <a:p>
